--- a/thesis/ukapp2/wqu_isc/puremaths/ISC_PureMaths05.pptx
+++ b/thesis/ukapp2/wqu_isc/puremaths/ISC_PureMaths05.pptx
@@ -9861,43 +9861,10 @@
       </p:sp>
       <p:pic>
         <p:nvPicPr>
-          <p:cNvPr id="4" name="Online Media 2" title="Right Triangles &amp; the unit circle">
-            <a:hlinkClick r:id="" action="ppaction://media"/>
+          <p:cNvPr id="5" name="Graphic 4" descr="Man with solid fill">
             <a:extLst>
               <a:ext uri="{FF2B5EF4-FFF2-40B4-BE49-F238E27FC236}">
-                <a16:creationId xmlns:a16="http://schemas.microsoft.com/office/drawing/2014/main" id="{2FC49C72-F1AB-4CC4-8FA6-73619B326ED2}"/>
-              </a:ext>
-            </a:extLst>
-          </p:cNvPr>
-          <p:cNvPicPr>
-            <a:picLocks noRot="1" noChangeAspect="1"/>
-          </p:cNvPicPr>
-          <p:nvPr>
-            <a:videoFile r:link="rId1"/>
-          </p:nvPr>
-        </p:nvPicPr>
-        <p:blipFill>
-          <a:blip r:embed="rId4"/>
-          <a:stretch>
-            <a:fillRect/>
-          </a:stretch>
-        </p:blipFill>
-        <p:spPr>
-          <a:xfrm>
-            <a:off x="4665134" y="1355725"/>
-            <a:ext cx="4013200" cy="3009900"/>
-          </a:xfrm>
-          <a:prstGeom prst="rect">
-            <a:avLst/>
-          </a:prstGeom>
-        </p:spPr>
-      </p:pic>
-      <p:pic>
-        <p:nvPicPr>
-          <p:cNvPr id="3" name="Picture 2">
-            <a:extLst>
-              <a:ext uri="{FF2B5EF4-FFF2-40B4-BE49-F238E27FC236}">
-                <a16:creationId xmlns:a16="http://schemas.microsoft.com/office/drawing/2014/main" id="{0C7757AB-ECE4-441C-BD1A-6235E32F7ABA}"/>
+                <a16:creationId xmlns:a16="http://schemas.microsoft.com/office/drawing/2014/main" id="{FF58E1D3-FCFE-4C47-A5D9-23290C928054}"/>
               </a:ext>
             </a:extLst>
           </p:cNvPr>
@@ -9907,21 +9874,263 @@
           <p:nvPr/>
         </p:nvPicPr>
         <p:blipFill>
-          <a:blip r:embed="rId5"/>
+          <a:blip r:embed="rId3">
+            <a:extLst>
+              <a:ext uri="{96DAC541-7B7A-43D3-8B79-37D633B846F1}">
+                <asvg:svgBlip xmlns:asvg="http://schemas.microsoft.com/office/drawing/2016/SVG/main" r:embed="rId4"/>
+              </a:ext>
+            </a:extLst>
+          </a:blip>
           <a:stretch>
             <a:fillRect/>
           </a:stretch>
         </p:blipFill>
         <p:spPr>
           <a:xfrm>
-            <a:off x="311700" y="1355725"/>
-            <a:ext cx="3867794" cy="3009900"/>
+            <a:off x="987778" y="2571750"/>
+            <a:ext cx="914400" cy="914400"/>
           </a:xfrm>
           <a:prstGeom prst="rect">
             <a:avLst/>
           </a:prstGeom>
         </p:spPr>
       </p:pic>
+      <p:cxnSp>
+        <p:nvCxnSpPr>
+          <p:cNvPr id="7" name="Straight Arrow Connector 6">
+            <a:extLst>
+              <a:ext uri="{FF2B5EF4-FFF2-40B4-BE49-F238E27FC236}">
+                <a16:creationId xmlns:a16="http://schemas.microsoft.com/office/drawing/2014/main" id="{184053AF-F155-41F4-AE25-6FE9049EC5EF}"/>
+              </a:ext>
+            </a:extLst>
+          </p:cNvPr>
+          <p:cNvCxnSpPr>
+            <a:cxnSpLocks/>
+          </p:cNvCxnSpPr>
+          <p:nvPr/>
+        </p:nvCxnSpPr>
+        <p:spPr>
+          <a:xfrm>
+            <a:off x="1524000" y="2675467"/>
+            <a:ext cx="4752622" cy="0"/>
+          </a:xfrm>
+          <a:prstGeom prst="straightConnector1">
+            <a:avLst/>
+          </a:prstGeom>
+          <a:ln w="9525" cap="flat" cmpd="sng" algn="ctr">
+            <a:solidFill>
+              <a:schemeClr val="accent1"/>
+            </a:solidFill>
+            <a:prstDash val="dash"/>
+            <a:round/>
+            <a:headEnd type="none" w="med" len="med"/>
+            <a:tailEnd type="none" w="med" len="med"/>
+          </a:ln>
+        </p:spPr>
+        <p:style>
+          <a:lnRef idx="0">
+            <a:scrgbClr r="0" g="0" b="0"/>
+          </a:lnRef>
+          <a:fillRef idx="0">
+            <a:scrgbClr r="0" g="0" b="0"/>
+          </a:fillRef>
+          <a:effectRef idx="0">
+            <a:scrgbClr r="0" g="0" b="0"/>
+          </a:effectRef>
+          <a:fontRef idx="minor">
+            <a:schemeClr val="tx1"/>
+          </a:fontRef>
+        </p:style>
+      </p:cxnSp>
+      <p:cxnSp>
+        <p:nvCxnSpPr>
+          <p:cNvPr id="12" name="Straight Arrow Connector 11">
+            <a:extLst>
+              <a:ext uri="{FF2B5EF4-FFF2-40B4-BE49-F238E27FC236}">
+                <a16:creationId xmlns:a16="http://schemas.microsoft.com/office/drawing/2014/main" id="{BE49EC4C-9A9A-4B9B-ADFA-19DCF1BBD8F6}"/>
+              </a:ext>
+            </a:extLst>
+          </p:cNvPr>
+          <p:cNvCxnSpPr>
+            <a:cxnSpLocks/>
+          </p:cNvCxnSpPr>
+          <p:nvPr/>
+        </p:nvCxnSpPr>
+        <p:spPr>
+          <a:xfrm>
+            <a:off x="1524000" y="2675467"/>
+            <a:ext cx="4752622" cy="870504"/>
+          </a:xfrm>
+          <a:prstGeom prst="straightConnector1">
+            <a:avLst/>
+          </a:prstGeom>
+          <a:ln>
+            <a:headEnd type="none" w="med" len="med"/>
+            <a:tailEnd type="none" w="med" len="med"/>
+          </a:ln>
+        </p:spPr>
+        <p:style>
+          <a:lnRef idx="1">
+            <a:schemeClr val="accent2"/>
+          </a:lnRef>
+          <a:fillRef idx="0">
+            <a:schemeClr val="accent2"/>
+          </a:fillRef>
+          <a:effectRef idx="0">
+            <a:schemeClr val="accent2"/>
+          </a:effectRef>
+          <a:fontRef idx="minor">
+            <a:schemeClr val="tx1"/>
+          </a:fontRef>
+        </p:style>
+      </p:cxnSp>
+      <p:cxnSp>
+        <p:nvCxnSpPr>
+          <p:cNvPr id="16" name="Straight Arrow Connector 15">
+            <a:extLst>
+              <a:ext uri="{FF2B5EF4-FFF2-40B4-BE49-F238E27FC236}">
+                <a16:creationId xmlns:a16="http://schemas.microsoft.com/office/drawing/2014/main" id="{D29F2D9B-64EA-40DB-B064-FCC01C54F340}"/>
+              </a:ext>
+            </a:extLst>
+          </p:cNvPr>
+          <p:cNvCxnSpPr>
+            <a:cxnSpLocks/>
+          </p:cNvCxnSpPr>
+          <p:nvPr/>
+        </p:nvCxnSpPr>
+        <p:spPr>
+          <a:xfrm flipV="1">
+            <a:off x="1524000" y="1800062"/>
+            <a:ext cx="4752622" cy="875404"/>
+          </a:xfrm>
+          <a:prstGeom prst="straightConnector1">
+            <a:avLst/>
+          </a:prstGeom>
+          <a:ln>
+            <a:headEnd type="none" w="med" len="med"/>
+            <a:tailEnd type="none" w="med" len="med"/>
+          </a:ln>
+        </p:spPr>
+        <p:style>
+          <a:lnRef idx="1">
+            <a:schemeClr val="accent2"/>
+          </a:lnRef>
+          <a:fillRef idx="0">
+            <a:schemeClr val="accent2"/>
+          </a:fillRef>
+          <a:effectRef idx="0">
+            <a:schemeClr val="accent2"/>
+          </a:effectRef>
+          <a:fontRef idx="minor">
+            <a:schemeClr val="tx1"/>
+          </a:fontRef>
+        </p:style>
+      </p:cxnSp>
+      <p:sp>
+        <p:nvSpPr>
+          <p:cNvPr id="17" name="TextBox 16">
+            <a:extLst>
+              <a:ext uri="{FF2B5EF4-FFF2-40B4-BE49-F238E27FC236}">
+                <a16:creationId xmlns:a16="http://schemas.microsoft.com/office/drawing/2014/main" id="{6FD35448-C3FC-4869-A6F3-F5CFF78830DE}"/>
+              </a:ext>
+            </a:extLst>
+          </p:cNvPr>
+          <p:cNvSpPr txBox="1"/>
+          <p:nvPr/>
+        </p:nvSpPr>
+        <p:spPr>
+          <a:xfrm>
+            <a:off x="6276622" y="2552898"/>
+            <a:ext cx="1646605" cy="307777"/>
+          </a:xfrm>
+          <a:prstGeom prst="rect">
+            <a:avLst/>
+          </a:prstGeom>
+          <a:noFill/>
+        </p:spPr>
+        <p:txBody>
+          <a:bodyPr wrap="none" rtlCol="0">
+            <a:spAutoFit/>
+          </a:bodyPr>
+          <a:lstStyle/>
+          <a:p>
+            <a:r>
+              <a:rPr lang="en-GB" dirty="0"/>
+              <a:t>Reference horizon</a:t>
+            </a:r>
+          </a:p>
+        </p:txBody>
+      </p:sp>
+      <p:sp>
+        <p:nvSpPr>
+          <p:cNvPr id="20" name="TextBox 19">
+            <a:extLst>
+              <a:ext uri="{FF2B5EF4-FFF2-40B4-BE49-F238E27FC236}">
+                <a16:creationId xmlns:a16="http://schemas.microsoft.com/office/drawing/2014/main" id="{B60E1F80-1733-4137-837C-FD13E1674D16}"/>
+              </a:ext>
+            </a:extLst>
+          </p:cNvPr>
+          <p:cNvSpPr txBox="1"/>
+          <p:nvPr/>
+        </p:nvSpPr>
+        <p:spPr>
+          <a:xfrm>
+            <a:off x="6276621" y="3388102"/>
+            <a:ext cx="1090363" cy="307777"/>
+          </a:xfrm>
+          <a:prstGeom prst="rect">
+            <a:avLst/>
+          </a:prstGeom>
+          <a:noFill/>
+        </p:spPr>
+        <p:txBody>
+          <a:bodyPr wrap="none" rtlCol="0">
+            <a:spAutoFit/>
+          </a:bodyPr>
+          <a:lstStyle/>
+          <a:p>
+            <a:r>
+              <a:rPr lang="en-GB" dirty="0"/>
+              <a:t>Depression</a:t>
+            </a:r>
+          </a:p>
+        </p:txBody>
+      </p:sp>
+      <p:sp>
+        <p:nvSpPr>
+          <p:cNvPr id="21" name="TextBox 20">
+            <a:extLst>
+              <a:ext uri="{FF2B5EF4-FFF2-40B4-BE49-F238E27FC236}">
+                <a16:creationId xmlns:a16="http://schemas.microsoft.com/office/drawing/2014/main" id="{726750FB-BF30-4B0E-BF25-4F843E2185EB}"/>
+              </a:ext>
+            </a:extLst>
+          </p:cNvPr>
+          <p:cNvSpPr txBox="1"/>
+          <p:nvPr/>
+        </p:nvSpPr>
+        <p:spPr>
+          <a:xfrm>
+            <a:off x="6267662" y="1614855"/>
+            <a:ext cx="922047" cy="307777"/>
+          </a:xfrm>
+          <a:prstGeom prst="rect">
+            <a:avLst/>
+          </a:prstGeom>
+          <a:noFill/>
+        </p:spPr>
+        <p:txBody>
+          <a:bodyPr wrap="none" rtlCol="0">
+            <a:spAutoFit/>
+          </a:bodyPr>
+          <a:lstStyle/>
+          <a:p>
+            <a:r>
+              <a:rPr lang="en-GB" dirty="0"/>
+              <a:t>Elevation</a:t>
+            </a:r>
+          </a:p>
+        </p:txBody>
+      </p:sp>
     </p:spTree>
     <p:extLst>
       <p:ext uri="{BB962C8B-B14F-4D97-AF65-F5344CB8AC3E}">
@@ -9932,141 +10141,6 @@
   <p:clrMapOvr>
     <a:masterClrMapping/>
   </p:clrMapOvr>
-  <p:timing>
-    <p:tnLst>
-      <p:par>
-        <p:cTn id="1" dur="indefinite" restart="never" nodeType="tmRoot">
-          <p:childTnLst>
-            <p:seq concurrent="1" nextAc="seek">
-              <p:cTn id="2" dur="indefinite" nodeType="mainSeq">
-                <p:childTnLst>
-                  <p:par>
-                    <p:cTn id="3" fill="hold">
-                      <p:stCondLst>
-                        <p:cond delay="indefinite"/>
-                      </p:stCondLst>
-                      <p:childTnLst>
-                        <p:par>
-                          <p:cTn id="4" fill="hold">
-                            <p:stCondLst>
-                              <p:cond delay="0"/>
-                            </p:stCondLst>
-                            <p:childTnLst>
-                              <p:par>
-                                <p:cTn id="5" presetID="1" presetClass="mediacall" presetSubtype="0" fill="hold" nodeType="clickEffect">
-                                  <p:stCondLst>
-                                    <p:cond delay="0"/>
-                                  </p:stCondLst>
-                                  <p:childTnLst>
-                                    <p:cmd type="call" cmd="playFrom(0.0)">
-                                      <p:cBhvr>
-                                        <p:cTn id="6" dur="1" fill="hold"/>
-                                        <p:tgtEl>
-                                          <p:spTgt spid="4"/>
-                                        </p:tgtEl>
-                                      </p:cBhvr>
-                                    </p:cmd>
-                                  </p:childTnLst>
-                                </p:cTn>
-                              </p:par>
-                            </p:childTnLst>
-                          </p:cTn>
-                        </p:par>
-                      </p:childTnLst>
-                    </p:cTn>
-                  </p:par>
-                </p:childTnLst>
-              </p:cTn>
-              <p:prevCondLst>
-                <p:cond evt="onPrev" delay="0">
-                  <p:tgtEl>
-                    <p:sldTgt/>
-                  </p:tgtEl>
-                </p:cond>
-              </p:prevCondLst>
-              <p:nextCondLst>
-                <p:cond evt="onNext" delay="0">
-                  <p:tgtEl>
-                    <p:sldTgt/>
-                  </p:tgtEl>
-                </p:cond>
-              </p:nextCondLst>
-            </p:seq>
-            <p:seq concurrent="1" nextAc="seek">
-              <p:cTn id="7" restart="whenNotActive" fill="hold" evtFilter="cancelBubble" nodeType="interactiveSeq">
-                <p:stCondLst>
-                  <p:cond evt="onClick" delay="0">
-                    <p:tgtEl>
-                      <p:spTgt spid="4"/>
-                    </p:tgtEl>
-                  </p:cond>
-                </p:stCondLst>
-                <p:endSync evt="end" delay="0">
-                  <p:rtn val="all"/>
-                </p:endSync>
-                <p:childTnLst>
-                  <p:par>
-                    <p:cTn id="8" fill="hold">
-                      <p:stCondLst>
-                        <p:cond delay="0"/>
-                      </p:stCondLst>
-                      <p:childTnLst>
-                        <p:par>
-                          <p:cTn id="9" fill="hold">
-                            <p:stCondLst>
-                              <p:cond delay="0"/>
-                            </p:stCondLst>
-                            <p:childTnLst>
-                              <p:par>
-                                <p:cTn id="10" presetID="2" presetClass="mediacall" presetSubtype="0" fill="hold" nodeType="clickEffect">
-                                  <p:stCondLst>
-                                    <p:cond delay="0"/>
-                                  </p:stCondLst>
-                                  <p:childTnLst>
-                                    <p:cmd type="call" cmd="togglePause">
-                                      <p:cBhvr>
-                                        <p:cTn id="11" dur="1" fill="hold"/>
-                                        <p:tgtEl>
-                                          <p:spTgt spid="4"/>
-                                        </p:tgtEl>
-                                      </p:cBhvr>
-                                    </p:cmd>
-                                  </p:childTnLst>
-                                </p:cTn>
-                              </p:par>
-                            </p:childTnLst>
-                          </p:cTn>
-                        </p:par>
-                      </p:childTnLst>
-                    </p:cTn>
-                  </p:par>
-                </p:childTnLst>
-              </p:cTn>
-              <p:nextCondLst>
-                <p:cond evt="onClick" delay="0">
-                  <p:tgtEl>
-                    <p:spTgt spid="4"/>
-                  </p:tgtEl>
-                </p:cond>
-              </p:nextCondLst>
-            </p:seq>
-            <p:video>
-              <p:cMediaNode vol="80000">
-                <p:cTn id="12" fill="hold" display="0">
-                  <p:stCondLst>
-                    <p:cond delay="indefinite"/>
-                  </p:stCondLst>
-                </p:cTn>
-                <p:tgtEl>
-                  <p:spTgt spid="4"/>
-                </p:tgtEl>
-              </p:cMediaNode>
-            </p:video>
-          </p:childTnLst>
-        </p:cTn>
-      </p:par>
-    </p:tnLst>
-  </p:timing>
 </p:sld>
 </file>
 
@@ -10192,6 +10266,35 @@
           </a:p>
         </p:txBody>
       </p:sp>
+      <p:pic>
+        <p:nvPicPr>
+          <p:cNvPr id="3" name="Picture 2" descr="Text, letter&#10;&#10;Description automatically generated">
+            <a:extLst>
+              <a:ext uri="{FF2B5EF4-FFF2-40B4-BE49-F238E27FC236}">
+                <a16:creationId xmlns:a16="http://schemas.microsoft.com/office/drawing/2014/main" id="{DB463669-2019-45F3-A464-F2A6DEADA209}"/>
+              </a:ext>
+            </a:extLst>
+          </p:cNvPr>
+          <p:cNvPicPr>
+            <a:picLocks noChangeAspect="1"/>
+          </p:cNvPicPr>
+          <p:nvPr/>
+        </p:nvPicPr>
+        <p:blipFill rotWithShape="1">
+          <a:blip r:embed="rId3"/>
+          <a:srcRect t="62967"/>
+          <a:stretch/>
+        </p:blipFill>
+        <p:spPr>
+          <a:xfrm>
+            <a:off x="1428311" y="1309511"/>
+            <a:ext cx="6287377" cy="1083055"/>
+          </a:xfrm>
+          <a:prstGeom prst="rect">
+            <a:avLst/>
+          </a:prstGeom>
+        </p:spPr>
+      </p:pic>
     </p:spTree>
     <p:extLst>
       <p:ext uri="{BB962C8B-B14F-4D97-AF65-F5344CB8AC3E}">
@@ -11217,36 +11320,252 @@
           </a:p>
         </p:txBody>
       </p:sp>
-      <p:pic>
-        <p:nvPicPr>
-          <p:cNvPr id="5" name="Picture 4">
-            <a:extLst>
-              <a:ext uri="{FF2B5EF4-FFF2-40B4-BE49-F238E27FC236}">
-                <a16:creationId xmlns:a16="http://schemas.microsoft.com/office/drawing/2014/main" id="{359AFAB9-01C0-4622-8DB8-C78EF4FE47EA}"/>
-              </a:ext>
-            </a:extLst>
-          </p:cNvPr>
-          <p:cNvPicPr>
-            <a:picLocks noChangeAspect="1"/>
-          </p:cNvPicPr>
-          <p:nvPr/>
-        </p:nvPicPr>
-        <p:blipFill>
-          <a:blip r:embed="rId3"/>
-          <a:stretch>
-            <a:fillRect/>
-          </a:stretch>
-        </p:blipFill>
-        <p:spPr>
-          <a:xfrm>
-            <a:off x="2144110" y="1017725"/>
-            <a:ext cx="5192235" cy="4047081"/>
-          </a:xfrm>
-          <a:prstGeom prst="rect">
-            <a:avLst/>
-          </a:prstGeom>
-        </p:spPr>
-      </p:pic>
+      <mc:AlternateContent xmlns:mc="http://schemas.openxmlformats.org/markup-compatibility/2006">
+        <mc:Choice xmlns:a14="http://schemas.microsoft.com/office/drawing/2010/main" Requires="a14">
+          <p:sp>
+            <p:nvSpPr>
+              <p:cNvPr id="4" name="Text Placeholder 2">
+                <a:extLst>
+                  <a:ext uri="{FF2B5EF4-FFF2-40B4-BE49-F238E27FC236}">
+                    <a16:creationId xmlns:a16="http://schemas.microsoft.com/office/drawing/2014/main" id="{C66A2C12-941E-4BB1-9FB4-CA1282F417F1}"/>
+                  </a:ext>
+                </a:extLst>
+              </p:cNvPr>
+              <p:cNvSpPr>
+                <a:spLocks noGrp="1"/>
+              </p:cNvSpPr>
+              <p:nvPr>
+                <p:ph type="body" idx="1"/>
+              </p:nvPr>
+            </p:nvSpPr>
+            <p:spPr>
+              <a:xfrm>
+                <a:off x="311700" y="1152475"/>
+                <a:ext cx="8520600" cy="3416400"/>
+              </a:xfrm>
+            </p:spPr>
+            <p:txBody>
+              <a:bodyPr/>
+              <a:lstStyle/>
+              <a:p>
+                <a14:m>
+                  <m:oMath xmlns:m="http://schemas.openxmlformats.org/officeDocument/2006/math">
+                    <m:f>
+                      <m:fPr>
+                        <m:ctrlPr>
+                          <a:rPr lang="en-GB" sz="3200" b="0" i="1" smtClean="0">
+                            <a:latin typeface="Cambria Math" panose="02040503050406030204" pitchFamily="18" charset="0"/>
+                          </a:rPr>
+                        </m:ctrlPr>
+                      </m:fPr>
+                      <m:num>
+                        <m:r>
+                          <a:rPr lang="en-GB" sz="3200" b="0" i="1" smtClean="0">
+                            <a:latin typeface="Cambria Math" panose="02040503050406030204" pitchFamily="18" charset="0"/>
+                          </a:rPr>
+                          <m:t>𝑎</m:t>
+                        </m:r>
+                      </m:num>
+                      <m:den>
+                        <m:func>
+                          <m:funcPr>
+                            <m:ctrlPr>
+                              <a:rPr lang="en-GB" sz="3200" b="0" i="1" smtClean="0">
+                                <a:latin typeface="Cambria Math" panose="02040503050406030204" pitchFamily="18" charset="0"/>
+                              </a:rPr>
+                            </m:ctrlPr>
+                          </m:funcPr>
+                          <m:fName>
+                            <m:r>
+                              <m:rPr>
+                                <m:sty m:val="p"/>
+                              </m:rPr>
+                              <a:rPr lang="en-GB" sz="3200" b="0" i="0" smtClean="0">
+                                <a:latin typeface="Cambria Math" panose="02040503050406030204" pitchFamily="18" charset="0"/>
+                              </a:rPr>
+                              <m:t>sin</m:t>
+                            </m:r>
+                          </m:fName>
+                          <m:e>
+                            <m:r>
+                              <a:rPr lang="en-GB" sz="3200" b="0" i="1" smtClean="0">
+                                <a:latin typeface="Cambria Math" panose="02040503050406030204" pitchFamily="18" charset="0"/>
+                              </a:rPr>
+                              <m:t>𝐴</m:t>
+                            </m:r>
+                          </m:e>
+                        </m:func>
+                      </m:den>
+                    </m:f>
+                    <m:r>
+                      <a:rPr lang="en-GB" sz="3200" b="0" i="1" smtClean="0">
+                        <a:latin typeface="Cambria Math" panose="02040503050406030204" pitchFamily="18" charset="0"/>
+                      </a:rPr>
+                      <m:t>=</m:t>
+                    </m:r>
+                    <m:f>
+                      <m:fPr>
+                        <m:ctrlPr>
+                          <a:rPr lang="en-GB" sz="3200" i="1">
+                            <a:latin typeface="Cambria Math" panose="02040503050406030204" pitchFamily="18" charset="0"/>
+                          </a:rPr>
+                        </m:ctrlPr>
+                      </m:fPr>
+                      <m:num>
+                        <m:r>
+                          <a:rPr lang="en-GB" sz="3200" b="0" i="1" smtClean="0">
+                            <a:latin typeface="Cambria Math" panose="02040503050406030204" pitchFamily="18" charset="0"/>
+                          </a:rPr>
+                          <m:t>𝑏</m:t>
+                        </m:r>
+                      </m:num>
+                      <m:den>
+                        <m:func>
+                          <m:funcPr>
+                            <m:ctrlPr>
+                              <a:rPr lang="en-GB" sz="3200" i="1">
+                                <a:latin typeface="Cambria Math" panose="02040503050406030204" pitchFamily="18" charset="0"/>
+                              </a:rPr>
+                            </m:ctrlPr>
+                          </m:funcPr>
+                          <m:fName>
+                            <m:r>
+                              <m:rPr>
+                                <m:sty m:val="p"/>
+                              </m:rPr>
+                              <a:rPr lang="en-GB" sz="3200">
+                                <a:latin typeface="Cambria Math" panose="02040503050406030204" pitchFamily="18" charset="0"/>
+                              </a:rPr>
+                              <m:t>sin</m:t>
+                            </m:r>
+                          </m:fName>
+                          <m:e>
+                            <m:r>
+                              <a:rPr lang="en-GB" sz="3200" b="0" i="1" smtClean="0">
+                                <a:latin typeface="Cambria Math" panose="02040503050406030204" pitchFamily="18" charset="0"/>
+                              </a:rPr>
+                              <m:t>𝐵</m:t>
+                            </m:r>
+                          </m:e>
+                        </m:func>
+                      </m:den>
+                    </m:f>
+                  </m:oMath>
+                </a14:m>
+                <a:r>
+                  <a:rPr lang="en-GB" sz="3200" b="0" dirty="0"/>
+                  <a:t>=</a:t>
+                </a:r>
+                <a:r>
+                  <a:rPr lang="en-GB" sz="3200" dirty="0"/>
+                  <a:t> </a:t>
+                </a:r>
+                <a14:m>
+                  <m:oMath xmlns:m="http://schemas.openxmlformats.org/officeDocument/2006/math">
+                    <m:f>
+                      <m:fPr>
+                        <m:ctrlPr>
+                          <a:rPr lang="en-GB" sz="3200" i="1">
+                            <a:latin typeface="Cambria Math" panose="02040503050406030204" pitchFamily="18" charset="0"/>
+                          </a:rPr>
+                        </m:ctrlPr>
+                      </m:fPr>
+                      <m:num>
+                        <m:r>
+                          <a:rPr lang="en-GB" sz="3200" b="0" i="1" smtClean="0">
+                            <a:latin typeface="Cambria Math" panose="02040503050406030204" pitchFamily="18" charset="0"/>
+                          </a:rPr>
+                          <m:t>𝑐</m:t>
+                        </m:r>
+                      </m:num>
+                      <m:den>
+                        <m:func>
+                          <m:funcPr>
+                            <m:ctrlPr>
+                              <a:rPr lang="en-GB" sz="3200" i="1">
+                                <a:latin typeface="Cambria Math" panose="02040503050406030204" pitchFamily="18" charset="0"/>
+                              </a:rPr>
+                            </m:ctrlPr>
+                          </m:funcPr>
+                          <m:fName>
+                            <m:r>
+                              <m:rPr>
+                                <m:sty m:val="p"/>
+                              </m:rPr>
+                              <a:rPr lang="en-GB" sz="3200">
+                                <a:latin typeface="Cambria Math" panose="02040503050406030204" pitchFamily="18" charset="0"/>
+                              </a:rPr>
+                              <m:t>sin</m:t>
+                            </m:r>
+                          </m:fName>
+                          <m:e>
+                            <m:r>
+                              <a:rPr lang="en-GB" sz="3200" b="0" i="1" smtClean="0">
+                                <a:latin typeface="Cambria Math" panose="02040503050406030204" pitchFamily="18" charset="0"/>
+                              </a:rPr>
+                              <m:t>𝐶</m:t>
+                            </m:r>
+                          </m:e>
+                        </m:func>
+                      </m:den>
+                    </m:f>
+                  </m:oMath>
+                </a14:m>
+                <a:endParaRPr lang="en-GB" b="0" dirty="0"/>
+              </a:p>
+              <a:p>
+                <a:endParaRPr lang="en-GB" dirty="0"/>
+              </a:p>
+              <a:p>
+                <a:endParaRPr lang="en-GB" dirty="0"/>
+              </a:p>
+            </p:txBody>
+          </p:sp>
+        </mc:Choice>
+        <mc:Fallback>
+          <p:sp>
+            <p:nvSpPr>
+              <p:cNvPr id="4" name="Text Placeholder 2">
+                <a:extLst>
+                  <a:ext uri="{FF2B5EF4-FFF2-40B4-BE49-F238E27FC236}">
+                    <a16:creationId xmlns:a16="http://schemas.microsoft.com/office/drawing/2014/main" id="{C66A2C12-941E-4BB1-9FB4-CA1282F417F1}"/>
+                  </a:ext>
+                </a:extLst>
+              </p:cNvPr>
+              <p:cNvSpPr>
+                <a:spLocks noGrp="1" noRot="1" noChangeAspect="1" noMove="1" noResize="1" noEditPoints="1" noAdjustHandles="1" noChangeArrowheads="1" noChangeShapeType="1" noTextEdit="1"/>
+              </p:cNvSpPr>
+              <p:nvPr>
+                <p:ph type="body" idx="1"/>
+              </p:nvPr>
+            </p:nvSpPr>
+            <p:spPr>
+              <a:xfrm>
+                <a:off x="311700" y="1152475"/>
+                <a:ext cx="8520600" cy="3416400"/>
+              </a:xfrm>
+              <a:blipFill>
+                <a:blip r:embed="rId3"/>
+                <a:stretch>
+                  <a:fillRect/>
+                </a:stretch>
+              </a:blipFill>
+            </p:spPr>
+            <p:txBody>
+              <a:bodyPr/>
+              <a:lstStyle/>
+              <a:p>
+                <a:r>
+                  <a:rPr lang="en-GB">
+                    <a:noFill/>
+                  </a:rPr>
+                  <a:t> </a:t>
+                </a:r>
+              </a:p>
+            </p:txBody>
+          </p:sp>
+        </mc:Fallback>
+      </mc:AlternateContent>
     </p:spTree>
     <p:extLst>
       <p:ext uri="{BB962C8B-B14F-4D97-AF65-F5344CB8AC3E}">
@@ -11324,8 +11643,8 @@
           </a:p>
         </p:txBody>
       </p:sp>
-      <mc:AlternateContent xmlns:mc="http://schemas.openxmlformats.org/markup-compatibility/2006" xmlns:a14="http://schemas.microsoft.com/office/drawing/2010/main">
-        <mc:Choice Requires="a14">
+      <mc:AlternateContent xmlns:mc="http://schemas.openxmlformats.org/markup-compatibility/2006">
+        <mc:Choice xmlns:a14="http://schemas.microsoft.com/office/drawing/2010/main" Requires="a14">
           <p:sp>
             <p:nvSpPr>
               <p:cNvPr id="3" name="Text Placeholder 2">
@@ -11344,7 +11663,9 @@
             </p:nvSpPr>
             <p:spPr/>
             <p:txBody>
-              <a:bodyPr/>
+              <a:bodyPr>
+                <a:normAutofit/>
+              </a:bodyPr>
               <a:lstStyle/>
               <a:p>
                 <a14:m>
@@ -11352,14 +11673,45 @@
                     <m:sSup>
                       <m:sSupPr>
                         <m:ctrlPr>
-                          <a:rPr lang="en-GB" b="0" i="1" smtClean="0">
+                          <a:rPr lang="en-GB" sz="3600" b="0" i="1" smtClean="0">
                             <a:latin typeface="Cambria Math" panose="02040503050406030204" pitchFamily="18" charset="0"/>
                           </a:rPr>
                         </m:ctrlPr>
                       </m:sSupPr>
                       <m:e>
                         <m:r>
-                          <a:rPr lang="en-GB" b="0" i="1" smtClean="0">
+                          <a:rPr lang="en-GB" sz="3600" b="0" i="1" smtClean="0">
+                            <a:latin typeface="Cambria Math" panose="02040503050406030204" pitchFamily="18" charset="0"/>
+                          </a:rPr>
+                          <m:t>𝑐</m:t>
+                        </m:r>
+                      </m:e>
+                      <m:sup>
+                        <m:r>
+                          <a:rPr lang="en-GB" sz="3600" b="0" i="1" smtClean="0">
+                            <a:latin typeface="Cambria Math" panose="02040503050406030204" pitchFamily="18" charset="0"/>
+                          </a:rPr>
+                          <m:t>2</m:t>
+                        </m:r>
+                      </m:sup>
+                    </m:sSup>
+                    <m:sSup>
+                      <m:sSupPr>
+                        <m:ctrlPr>
+                          <a:rPr lang="en-GB" sz="3600" i="1">
+                            <a:latin typeface="Cambria Math" panose="02040503050406030204" pitchFamily="18" charset="0"/>
+                          </a:rPr>
+                        </m:ctrlPr>
+                      </m:sSupPr>
+                      <m:e>
+                        <m:r>
+                          <a:rPr lang="en-GB" sz="3600" i="1">
+                            <a:latin typeface="Cambria Math" panose="02040503050406030204" pitchFamily="18" charset="0"/>
+                          </a:rPr>
+                          <m:t>=</m:t>
+                        </m:r>
+                        <m:r>
+                          <a:rPr lang="en-GB" sz="3600" i="1">
                             <a:latin typeface="Cambria Math" panose="02040503050406030204" pitchFamily="18" charset="0"/>
                           </a:rPr>
                           <m:t>𝑎</m:t>
@@ -11367,7 +11719,7 @@
                       </m:e>
                       <m:sup>
                         <m:r>
-                          <a:rPr lang="en-GB" b="0" i="1" smtClean="0">
+                          <a:rPr lang="en-GB" sz="3600" i="1">
                             <a:latin typeface="Cambria Math" panose="02040503050406030204" pitchFamily="18" charset="0"/>
                           </a:rPr>
                           <m:t>2</m:t>
@@ -11375,7 +11727,7 @@
                       </m:sup>
                     </m:sSup>
                     <m:r>
-                      <a:rPr lang="en-GB" b="0" i="1" smtClean="0">
+                      <a:rPr lang="en-GB" sz="3600" i="1">
                         <a:latin typeface="Cambria Math" panose="02040503050406030204" pitchFamily="18" charset="0"/>
                       </a:rPr>
                       <m:t>+</m:t>
@@ -11383,14 +11735,14 @@
                     <m:sSup>
                       <m:sSupPr>
                         <m:ctrlPr>
-                          <a:rPr lang="en-GB" b="0" i="1" smtClean="0">
+                          <a:rPr lang="en-GB" sz="3600" i="1">
                             <a:latin typeface="Cambria Math" panose="02040503050406030204" pitchFamily="18" charset="0"/>
                           </a:rPr>
                         </m:ctrlPr>
                       </m:sSupPr>
                       <m:e>
                         <m:r>
-                          <a:rPr lang="en-GB" b="0" i="1" smtClean="0">
+                          <a:rPr lang="en-GB" sz="3600" i="1">
                             <a:latin typeface="Cambria Math" panose="02040503050406030204" pitchFamily="18" charset="0"/>
                           </a:rPr>
                           <m:t>𝑏</m:t>
@@ -11398,7 +11750,7 @@
                       </m:e>
                       <m:sup>
                         <m:r>
-                          <a:rPr lang="en-GB" b="0" i="1" smtClean="0">
+                          <a:rPr lang="en-GB" sz="3600" i="1">
                             <a:latin typeface="Cambria Math" panose="02040503050406030204" pitchFamily="18" charset="0"/>
                           </a:rPr>
                           <m:t>2</m:t>
@@ -11406,22 +11758,94 @@
                       </m:sup>
                     </m:sSup>
                     <m:r>
-                      <a:rPr lang="en-GB" b="0" i="1" smtClean="0">
+                      <a:rPr lang="en-GB" sz="3600" b="0" i="1" smtClean="0">
                         <a:latin typeface="Cambria Math" panose="02040503050406030204" pitchFamily="18" charset="0"/>
                       </a:rPr>
-                      <m:t>=</m:t>
+                      <m:t>−2</m:t>
                     </m:r>
+                    <m:r>
+                      <a:rPr lang="en-GB" sz="3600" b="0" i="1" smtClean="0">
+                        <a:latin typeface="Cambria Math" panose="02040503050406030204" pitchFamily="18" charset="0"/>
+                      </a:rPr>
+                      <m:t>𝑎𝑏</m:t>
+                    </m:r>
+                    <m:func>
+                      <m:funcPr>
+                        <m:ctrlPr>
+                          <a:rPr lang="en-GB" sz="3600" b="0" i="1" smtClean="0">
+                            <a:latin typeface="Cambria Math" panose="02040503050406030204" pitchFamily="18" charset="0"/>
+                          </a:rPr>
+                        </m:ctrlPr>
+                      </m:funcPr>
+                      <m:fName>
+                        <m:r>
+                          <m:rPr>
+                            <m:sty m:val="p"/>
+                          </m:rPr>
+                          <a:rPr lang="en-GB" sz="3600" b="0" i="0" smtClean="0">
+                            <a:latin typeface="Cambria Math" panose="02040503050406030204" pitchFamily="18" charset="0"/>
+                          </a:rPr>
+                          <m:t>cos</m:t>
+                        </m:r>
+                      </m:fName>
+                      <m:e>
+                        <m:r>
+                          <a:rPr lang="en-GB" sz="3600" b="0" i="1" smtClean="0">
+                            <a:latin typeface="Cambria Math" panose="02040503050406030204" pitchFamily="18" charset="0"/>
+                          </a:rPr>
+                          <m:t>𝐶</m:t>
+                        </m:r>
+                      </m:e>
+                    </m:func>
+                  </m:oMath>
+                </a14:m>
+                <a:endParaRPr lang="en-GB" sz="3600" b="0" dirty="0"/>
+              </a:p>
+              <a:p>
+                <a14:m>
+                  <m:oMath xmlns:m="http://schemas.openxmlformats.org/officeDocument/2006/math">
                     <m:sSup>
                       <m:sSupPr>
                         <m:ctrlPr>
-                          <a:rPr lang="en-GB" b="0" i="1" smtClean="0">
+                          <a:rPr lang="en-GB" sz="3600" b="0" i="1" smtClean="0">
                             <a:latin typeface="Cambria Math" panose="02040503050406030204" pitchFamily="18" charset="0"/>
                           </a:rPr>
                         </m:ctrlPr>
                       </m:sSupPr>
                       <m:e>
                         <m:r>
-                          <a:rPr lang="en-GB" b="0" i="1" smtClean="0">
+                          <a:rPr lang="en-GB" sz="3600" b="0" i="1" smtClean="0">
+                            <a:latin typeface="Cambria Math" panose="02040503050406030204" pitchFamily="18" charset="0"/>
+                          </a:rPr>
+                          <m:t>𝑏</m:t>
+                        </m:r>
+                      </m:e>
+                      <m:sup>
+                        <m:r>
+                          <a:rPr lang="en-GB" sz="3600" b="0" i="1" smtClean="0">
+                            <a:latin typeface="Cambria Math" panose="02040503050406030204" pitchFamily="18" charset="0"/>
+                          </a:rPr>
+                          <m:t>2</m:t>
+                        </m:r>
+                      </m:sup>
+                    </m:sSup>
+                    <m:sSup>
+                      <m:sSupPr>
+                        <m:ctrlPr>
+                          <a:rPr lang="en-GB" sz="3600" i="1">
+                            <a:latin typeface="Cambria Math" panose="02040503050406030204" pitchFamily="18" charset="0"/>
+                          </a:rPr>
+                        </m:ctrlPr>
+                      </m:sSupPr>
+                      <m:e>
+                        <m:r>
+                          <a:rPr lang="en-GB" sz="3600" i="1">
+                            <a:latin typeface="Cambria Math" panose="02040503050406030204" pitchFamily="18" charset="0"/>
+                          </a:rPr>
+                          <m:t>=</m:t>
+                        </m:r>
+                        <m:r>
+                          <a:rPr lang="en-GB" sz="3600" b="0" i="1" smtClean="0">
                             <a:latin typeface="Cambria Math" panose="02040503050406030204" pitchFamily="18" charset="0"/>
                           </a:rPr>
                           <m:t>𝑐</m:t>
@@ -11429,7 +11853,7 @@
                       </m:e>
                       <m:sup>
                         <m:r>
-                          <a:rPr lang="en-GB" b="0" i="1" smtClean="0">
+                          <a:rPr lang="en-GB" sz="3600" i="1">
                             <a:latin typeface="Cambria Math" panose="02040503050406030204" pitchFamily="18" charset="0"/>
                           </a:rPr>
                           <m:t>2</m:t>
@@ -11437,22 +11861,227 @@
                       </m:sup>
                     </m:sSup>
                     <m:r>
-                      <a:rPr lang="en-GB" b="0" i="1" smtClean="0">
+                      <a:rPr lang="en-GB" sz="3600" i="1">
                         <a:latin typeface="Cambria Math" panose="02040503050406030204" pitchFamily="18" charset="0"/>
                       </a:rPr>
-                      <m:t> </m:t>
+                      <m:t>+</m:t>
                     </m:r>
+                    <m:sSup>
+                      <m:sSupPr>
+                        <m:ctrlPr>
+                          <a:rPr lang="en-GB" sz="3600" i="1">
+                            <a:latin typeface="Cambria Math" panose="02040503050406030204" pitchFamily="18" charset="0"/>
+                          </a:rPr>
+                        </m:ctrlPr>
+                      </m:sSupPr>
+                      <m:e>
+                        <m:r>
+                          <a:rPr lang="en-GB" sz="3600" b="0" i="1" smtClean="0">
+                            <a:latin typeface="Cambria Math" panose="02040503050406030204" pitchFamily="18" charset="0"/>
+                          </a:rPr>
+                          <m:t>𝑎</m:t>
+                        </m:r>
+                      </m:e>
+                      <m:sup>
+                        <m:r>
+                          <a:rPr lang="en-GB" sz="3600" i="1">
+                            <a:latin typeface="Cambria Math" panose="02040503050406030204" pitchFamily="18" charset="0"/>
+                          </a:rPr>
+                          <m:t>2</m:t>
+                        </m:r>
+                      </m:sup>
+                    </m:sSup>
+                    <m:r>
+                      <a:rPr lang="en-GB" sz="3600" b="0" i="1" smtClean="0">
+                        <a:latin typeface="Cambria Math" panose="02040503050406030204" pitchFamily="18" charset="0"/>
+                      </a:rPr>
+                      <m:t>−2</m:t>
+                    </m:r>
+                    <m:r>
+                      <a:rPr lang="en-GB" sz="3600" b="0" i="1" smtClean="0">
+                        <a:latin typeface="Cambria Math" panose="02040503050406030204" pitchFamily="18" charset="0"/>
+                      </a:rPr>
+                      <m:t>𝑐𝑎</m:t>
+                    </m:r>
+                    <m:func>
+                      <m:funcPr>
+                        <m:ctrlPr>
+                          <a:rPr lang="en-GB" sz="3600" b="0" i="1" smtClean="0">
+                            <a:latin typeface="Cambria Math" panose="02040503050406030204" pitchFamily="18" charset="0"/>
+                          </a:rPr>
+                        </m:ctrlPr>
+                      </m:funcPr>
+                      <m:fName>
+                        <m:r>
+                          <m:rPr>
+                            <m:sty m:val="p"/>
+                          </m:rPr>
+                          <a:rPr lang="en-GB" sz="3600" b="0" i="0" smtClean="0">
+                            <a:latin typeface="Cambria Math" panose="02040503050406030204" pitchFamily="18" charset="0"/>
+                          </a:rPr>
+                          <m:t>cos</m:t>
+                        </m:r>
+                      </m:fName>
+                      <m:e>
+                        <m:r>
+                          <a:rPr lang="en-GB" sz="3600" b="0" i="1" smtClean="0">
+                            <a:latin typeface="Cambria Math" panose="02040503050406030204" pitchFamily="18" charset="0"/>
+                          </a:rPr>
+                          <m:t>𝐵</m:t>
+                        </m:r>
+                      </m:e>
+                    </m:func>
                   </m:oMath>
                 </a14:m>
-                <a:r>
-                  <a:rPr lang="en-GB" dirty="0"/>
-                  <a:t>  (for right angled triangles)</a:t>
-                </a:r>
+                <a:endParaRPr lang="en-GB" sz="3600" dirty="0"/>
+              </a:p>
+              <a:p>
+                <a14:m>
+                  <m:oMath xmlns:m="http://schemas.openxmlformats.org/officeDocument/2006/math">
+                    <m:sSup>
+                      <m:sSupPr>
+                        <m:ctrlPr>
+                          <a:rPr lang="en-GB" sz="3600" b="0" i="1" smtClean="0">
+                            <a:latin typeface="Cambria Math" panose="02040503050406030204" pitchFamily="18" charset="0"/>
+                          </a:rPr>
+                        </m:ctrlPr>
+                      </m:sSupPr>
+                      <m:e>
+                        <m:r>
+                          <a:rPr lang="en-GB" sz="3600" b="0" i="1" smtClean="0">
+                            <a:latin typeface="Cambria Math" panose="02040503050406030204" pitchFamily="18" charset="0"/>
+                          </a:rPr>
+                          <m:t>𝑎</m:t>
+                        </m:r>
+                      </m:e>
+                      <m:sup>
+                        <m:r>
+                          <a:rPr lang="en-GB" sz="3600" b="0" i="1" smtClean="0">
+                            <a:latin typeface="Cambria Math" panose="02040503050406030204" pitchFamily="18" charset="0"/>
+                          </a:rPr>
+                          <m:t>2</m:t>
+                        </m:r>
+                      </m:sup>
+                    </m:sSup>
+                    <m:sSup>
+                      <m:sSupPr>
+                        <m:ctrlPr>
+                          <a:rPr lang="en-GB" sz="3600" i="1">
+                            <a:latin typeface="Cambria Math" panose="02040503050406030204" pitchFamily="18" charset="0"/>
+                          </a:rPr>
+                        </m:ctrlPr>
+                      </m:sSupPr>
+                      <m:e>
+                        <m:r>
+                          <a:rPr lang="en-GB" sz="3600" i="1">
+                            <a:latin typeface="Cambria Math" panose="02040503050406030204" pitchFamily="18" charset="0"/>
+                          </a:rPr>
+                          <m:t>=</m:t>
+                        </m:r>
+                        <m:r>
+                          <a:rPr lang="en-GB" sz="3600" b="0" i="1" smtClean="0">
+                            <a:latin typeface="Cambria Math" panose="02040503050406030204" pitchFamily="18" charset="0"/>
+                          </a:rPr>
+                          <m:t>𝑐</m:t>
+                        </m:r>
+                      </m:e>
+                      <m:sup>
+                        <m:r>
+                          <a:rPr lang="en-GB" sz="3600" i="1">
+                            <a:latin typeface="Cambria Math" panose="02040503050406030204" pitchFamily="18" charset="0"/>
+                          </a:rPr>
+                          <m:t>2</m:t>
+                        </m:r>
+                      </m:sup>
+                    </m:sSup>
+                    <m:r>
+                      <a:rPr lang="en-GB" sz="3600" i="1">
+                        <a:latin typeface="Cambria Math" panose="02040503050406030204" pitchFamily="18" charset="0"/>
+                      </a:rPr>
+                      <m:t>+</m:t>
+                    </m:r>
+                    <m:sSup>
+                      <m:sSupPr>
+                        <m:ctrlPr>
+                          <a:rPr lang="en-GB" sz="3600" i="1">
+                            <a:latin typeface="Cambria Math" panose="02040503050406030204" pitchFamily="18" charset="0"/>
+                          </a:rPr>
+                        </m:ctrlPr>
+                      </m:sSupPr>
+                      <m:e>
+                        <m:r>
+                          <a:rPr lang="en-GB" sz="3600" i="1">
+                            <a:latin typeface="Cambria Math" panose="02040503050406030204" pitchFamily="18" charset="0"/>
+                          </a:rPr>
+                          <m:t>𝑏</m:t>
+                        </m:r>
+                      </m:e>
+                      <m:sup>
+                        <m:r>
+                          <a:rPr lang="en-GB" sz="3600" i="1">
+                            <a:latin typeface="Cambria Math" panose="02040503050406030204" pitchFamily="18" charset="0"/>
+                          </a:rPr>
+                          <m:t>2</m:t>
+                        </m:r>
+                      </m:sup>
+                    </m:sSup>
+                    <m:r>
+                      <a:rPr lang="en-GB" sz="3600" b="0" i="1" smtClean="0">
+                        <a:latin typeface="Cambria Math" panose="02040503050406030204" pitchFamily="18" charset="0"/>
+                      </a:rPr>
+                      <m:t>−2</m:t>
+                    </m:r>
+                    <m:r>
+                      <a:rPr lang="en-GB" sz="3600" b="0" i="1" smtClean="0">
+                        <a:latin typeface="Cambria Math" panose="02040503050406030204" pitchFamily="18" charset="0"/>
+                      </a:rPr>
+                      <m:t>𝑐</m:t>
+                    </m:r>
+                    <m:r>
+                      <a:rPr lang="en-GB" sz="3600" b="0" i="1" smtClean="0">
+                        <a:latin typeface="Cambria Math" panose="02040503050406030204" pitchFamily="18" charset="0"/>
+                      </a:rPr>
+                      <m:t>𝑏</m:t>
+                    </m:r>
+                    <m:func>
+                      <m:funcPr>
+                        <m:ctrlPr>
+                          <a:rPr lang="en-GB" sz="3600" b="0" i="1" smtClean="0">
+                            <a:latin typeface="Cambria Math" panose="02040503050406030204" pitchFamily="18" charset="0"/>
+                          </a:rPr>
+                        </m:ctrlPr>
+                      </m:funcPr>
+                      <m:fName>
+                        <m:r>
+                          <m:rPr>
+                            <m:sty m:val="p"/>
+                          </m:rPr>
+                          <a:rPr lang="en-GB" sz="3600" b="0" i="0" smtClean="0">
+                            <a:latin typeface="Cambria Math" panose="02040503050406030204" pitchFamily="18" charset="0"/>
+                          </a:rPr>
+                          <m:t>cos</m:t>
+                        </m:r>
+                      </m:fName>
+                      <m:e>
+                        <m:r>
+                          <a:rPr lang="en-GB" sz="3600" b="0" i="1" smtClean="0">
+                            <a:latin typeface="Cambria Math" panose="02040503050406030204" pitchFamily="18" charset="0"/>
+                          </a:rPr>
+                          <m:t>𝐴</m:t>
+                        </m:r>
+                      </m:e>
+                    </m:func>
+                  </m:oMath>
+                </a14:m>
+                <a:endParaRPr lang="en-GB" sz="3600" dirty="0"/>
+              </a:p>
+              <a:p>
+                <a:endParaRPr lang="en-GB" sz="3600" dirty="0"/>
               </a:p>
             </p:txBody>
           </p:sp>
         </mc:Choice>
-        <mc:Fallback xmlns="">
+        <mc:Fallback>
           <p:sp>
             <p:nvSpPr>
               <p:cNvPr id="3" name="Text Placeholder 2">
@@ -11492,36 +12121,6 @@
           </p:sp>
         </mc:Fallback>
       </mc:AlternateContent>
-      <p:pic>
-        <p:nvPicPr>
-          <p:cNvPr id="5" name="Picture 4">
-            <a:extLst>
-              <a:ext uri="{FF2B5EF4-FFF2-40B4-BE49-F238E27FC236}">
-                <a16:creationId xmlns:a16="http://schemas.microsoft.com/office/drawing/2014/main" id="{359AFAB9-01C0-4622-8DB8-C78EF4FE47EA}"/>
-              </a:ext>
-            </a:extLst>
-          </p:cNvPr>
-          <p:cNvPicPr>
-            <a:picLocks noChangeAspect="1"/>
-          </p:cNvPicPr>
-          <p:nvPr/>
-        </p:nvPicPr>
-        <p:blipFill>
-          <a:blip r:embed="rId4"/>
-          <a:stretch>
-            <a:fillRect/>
-          </a:stretch>
-        </p:blipFill>
-        <p:spPr>
-          <a:xfrm>
-            <a:off x="2671762" y="1691253"/>
-            <a:ext cx="3800475" cy="2962275"/>
-          </a:xfrm>
-          <a:prstGeom prst="rect">
-            <a:avLst/>
-          </a:prstGeom>
-        </p:spPr>
-      </p:pic>
     </p:spTree>
     <p:extLst>
       <p:ext uri="{BB962C8B-B14F-4D97-AF65-F5344CB8AC3E}">
@@ -11962,323 +12561,337 @@
                 <a:cs typeface="Verdana"/>
                 <a:sym typeface="Verdana"/>
               </a:rPr>
-              <a:t>Areas of Triangles</a:t>
+              <a:t>Area of Triangles</a:t>
             </a:r>
             <a:endParaRPr sz="3600" dirty="0"/>
           </a:p>
         </p:txBody>
       </p:sp>
-      <p:pic>
-        <p:nvPicPr>
-          <p:cNvPr id="2" name="Online Media 1" title="Trigonometric ratios animation">
-            <a:hlinkClick r:id="" action="ppaction://media"/>
-            <a:extLst>
-              <a:ext uri="{FF2B5EF4-FFF2-40B4-BE49-F238E27FC236}">
-                <a16:creationId xmlns:a16="http://schemas.microsoft.com/office/drawing/2014/main" id="{48DAF1B3-6296-437E-B7E4-44463D01441D}"/>
-              </a:ext>
-            </a:extLst>
-          </p:cNvPr>
-          <p:cNvPicPr>
-            <a:picLocks noRot="1" noChangeAspect="1"/>
-          </p:cNvPicPr>
-          <p:nvPr>
-            <a:videoFile r:link="rId1"/>
-          </p:nvPr>
-        </p:nvPicPr>
-        <p:blipFill>
-          <a:blip r:embed="rId5"/>
-          <a:stretch>
-            <a:fillRect/>
-          </a:stretch>
-        </p:blipFill>
-        <p:spPr>
-          <a:xfrm>
-            <a:off x="411655" y="1524657"/>
-            <a:ext cx="4013200" cy="3009900"/>
-          </a:xfrm>
-          <a:prstGeom prst="rect">
-            <a:avLst/>
-          </a:prstGeom>
-        </p:spPr>
-      </p:pic>
-      <p:pic>
-        <p:nvPicPr>
-          <p:cNvPr id="3" name="Online Media 2" title="Right Triangles &amp; the unit circle">
-            <a:hlinkClick r:id="" action="ppaction://media"/>
-            <a:extLst>
-              <a:ext uri="{FF2B5EF4-FFF2-40B4-BE49-F238E27FC236}">
-                <a16:creationId xmlns:a16="http://schemas.microsoft.com/office/drawing/2014/main" id="{30449523-3D1C-4F2D-B57D-F706E79125EA}"/>
-              </a:ext>
-            </a:extLst>
-          </p:cNvPr>
-          <p:cNvPicPr>
-            <a:picLocks noRot="1" noChangeAspect="1"/>
-          </p:cNvPicPr>
-          <p:nvPr>
-            <a:videoFile r:link="rId2"/>
-          </p:nvPr>
-        </p:nvPicPr>
-        <p:blipFill>
-          <a:blip r:embed="rId6"/>
-          <a:stretch>
-            <a:fillRect/>
-          </a:stretch>
-        </p:blipFill>
-        <p:spPr>
-          <a:xfrm>
-            <a:off x="4845271" y="1524657"/>
-            <a:ext cx="4013200" cy="3009900"/>
-          </a:xfrm>
-          <a:prstGeom prst="rect">
-            <a:avLst/>
-          </a:prstGeom>
-        </p:spPr>
-      </p:pic>
+      <mc:AlternateContent xmlns:mc="http://schemas.openxmlformats.org/markup-compatibility/2006">
+        <mc:Choice xmlns:a14="http://schemas.microsoft.com/office/drawing/2010/main" Requires="a14">
+          <p:sp>
+            <p:nvSpPr>
+              <p:cNvPr id="5" name="Text Placeholder 2">
+                <a:extLst>
+                  <a:ext uri="{FF2B5EF4-FFF2-40B4-BE49-F238E27FC236}">
+                    <a16:creationId xmlns:a16="http://schemas.microsoft.com/office/drawing/2014/main" id="{6007C9F7-2B4E-493F-8DC0-91515A7406B4}"/>
+                  </a:ext>
+                </a:extLst>
+              </p:cNvPr>
+              <p:cNvSpPr>
+                <a:spLocks noGrp="1"/>
+              </p:cNvSpPr>
+              <p:nvPr>
+                <p:ph type="body" idx="1"/>
+              </p:nvPr>
+            </p:nvSpPr>
+            <p:spPr>
+              <a:xfrm>
+                <a:off x="311700" y="1152475"/>
+                <a:ext cx="8520600" cy="3416400"/>
+              </a:xfrm>
+            </p:spPr>
+            <p:txBody>
+              <a:bodyPr>
+                <a:normAutofit/>
+              </a:bodyPr>
+              <a:lstStyle/>
+              <a:p>
+                <a14:m>
+                  <m:oMath xmlns:m="http://schemas.openxmlformats.org/officeDocument/2006/math">
+                    <m:rad>
+                      <m:radPr>
+                        <m:degHide m:val="on"/>
+                        <m:ctrlPr>
+                          <a:rPr lang="en-GB" sz="3600" i="1" smtClean="0">
+                            <a:latin typeface="Cambria Math" panose="02040503050406030204" pitchFamily="18" charset="0"/>
+                          </a:rPr>
+                        </m:ctrlPr>
+                      </m:radPr>
+                      <m:deg/>
+                      <m:e>
+                        <m:r>
+                          <a:rPr lang="en-GB" sz="3600" b="0" i="1" smtClean="0">
+                            <a:latin typeface="Cambria Math" panose="02040503050406030204" pitchFamily="18" charset="0"/>
+                          </a:rPr>
+                          <m:t>𝑠</m:t>
+                        </m:r>
+                        <m:d>
+                          <m:dPr>
+                            <m:ctrlPr>
+                              <a:rPr lang="en-GB" sz="3600" b="0" i="1" smtClean="0">
+                                <a:latin typeface="Cambria Math" panose="02040503050406030204" pitchFamily="18" charset="0"/>
+                              </a:rPr>
+                            </m:ctrlPr>
+                          </m:dPr>
+                          <m:e>
+                            <m:r>
+                              <a:rPr lang="en-GB" sz="3600" b="0" i="1" smtClean="0">
+                                <a:latin typeface="Cambria Math" panose="02040503050406030204" pitchFamily="18" charset="0"/>
+                              </a:rPr>
+                              <m:t>𝑠</m:t>
+                            </m:r>
+                            <m:r>
+                              <a:rPr lang="en-GB" sz="3600" b="0" i="1" smtClean="0">
+                                <a:latin typeface="Cambria Math" panose="02040503050406030204" pitchFamily="18" charset="0"/>
+                              </a:rPr>
+                              <m:t>−</m:t>
+                            </m:r>
+                            <m:r>
+                              <a:rPr lang="en-GB" sz="3600" b="0" i="1" smtClean="0">
+                                <a:latin typeface="Cambria Math" panose="02040503050406030204" pitchFamily="18" charset="0"/>
+                              </a:rPr>
+                              <m:t>𝑎</m:t>
+                            </m:r>
+                          </m:e>
+                        </m:d>
+                        <m:r>
+                          <a:rPr lang="en-GB" sz="3600" b="0" i="1" smtClean="0">
+                            <a:latin typeface="Cambria Math" panose="02040503050406030204" pitchFamily="18" charset="0"/>
+                          </a:rPr>
+                          <m:t>(</m:t>
+                        </m:r>
+                        <m:r>
+                          <a:rPr lang="en-GB" sz="3600" b="0" i="1" smtClean="0">
+                            <a:latin typeface="Cambria Math" panose="02040503050406030204" pitchFamily="18" charset="0"/>
+                          </a:rPr>
+                          <m:t>𝑠</m:t>
+                        </m:r>
+                        <m:r>
+                          <a:rPr lang="en-GB" sz="3600" b="0" i="1" smtClean="0">
+                            <a:latin typeface="Cambria Math" panose="02040503050406030204" pitchFamily="18" charset="0"/>
+                          </a:rPr>
+                          <m:t>−</m:t>
+                        </m:r>
+                        <m:r>
+                          <a:rPr lang="en-GB" sz="3600" b="0" i="1" smtClean="0">
+                            <a:latin typeface="Cambria Math" panose="02040503050406030204" pitchFamily="18" charset="0"/>
+                          </a:rPr>
+                          <m:t>𝑏</m:t>
+                        </m:r>
+                        <m:r>
+                          <a:rPr lang="en-GB" sz="3600" b="0" i="1" smtClean="0">
+                            <a:latin typeface="Cambria Math" panose="02040503050406030204" pitchFamily="18" charset="0"/>
+                          </a:rPr>
+                          <m:t>)(</m:t>
+                        </m:r>
+                        <m:r>
+                          <a:rPr lang="en-GB" sz="3600" b="0" i="1" smtClean="0">
+                            <a:latin typeface="Cambria Math" panose="02040503050406030204" pitchFamily="18" charset="0"/>
+                          </a:rPr>
+                          <m:t>𝑠</m:t>
+                        </m:r>
+                        <m:r>
+                          <a:rPr lang="en-GB" sz="3600" b="0" i="1" smtClean="0">
+                            <a:latin typeface="Cambria Math" panose="02040503050406030204" pitchFamily="18" charset="0"/>
+                          </a:rPr>
+                          <m:t>−</m:t>
+                        </m:r>
+                        <m:r>
+                          <a:rPr lang="en-GB" sz="3600" b="0" i="1" smtClean="0">
+                            <a:latin typeface="Cambria Math" panose="02040503050406030204" pitchFamily="18" charset="0"/>
+                          </a:rPr>
+                          <m:t>𝑐</m:t>
+                        </m:r>
+                        <m:r>
+                          <a:rPr lang="en-GB" sz="3600" b="0" i="1" smtClean="0">
+                            <a:latin typeface="Cambria Math" panose="02040503050406030204" pitchFamily="18" charset="0"/>
+                          </a:rPr>
+                          <m:t>)</m:t>
+                        </m:r>
+                      </m:e>
+                    </m:rad>
+                  </m:oMath>
+                </a14:m>
+                <a:endParaRPr lang="en-GB" sz="3600" dirty="0"/>
+              </a:p>
+              <a:p>
+                <a:pPr lvl="1"/>
+                <a14:m>
+                  <m:oMath xmlns:m="http://schemas.openxmlformats.org/officeDocument/2006/math">
+                    <m:r>
+                      <a:rPr lang="en-GB" sz="3200" b="0" i="1" smtClean="0">
+                        <a:latin typeface="Cambria Math" panose="02040503050406030204" pitchFamily="18" charset="0"/>
+                      </a:rPr>
+                      <m:t>𝑠</m:t>
+                    </m:r>
+                    <m:r>
+                      <a:rPr lang="en-GB" sz="3200" b="0" i="1" smtClean="0">
+                        <a:latin typeface="Cambria Math" panose="02040503050406030204" pitchFamily="18" charset="0"/>
+                      </a:rPr>
+                      <m:t>=</m:t>
+                    </m:r>
+                    <m:f>
+                      <m:fPr>
+                        <m:ctrlPr>
+                          <a:rPr lang="en-GB" sz="3200" b="0" i="1" smtClean="0">
+                            <a:latin typeface="Cambria Math" panose="02040503050406030204" pitchFamily="18" charset="0"/>
+                          </a:rPr>
+                        </m:ctrlPr>
+                      </m:fPr>
+                      <m:num>
+                        <m:r>
+                          <a:rPr lang="en-GB" sz="3200" b="0" i="1" smtClean="0">
+                            <a:latin typeface="Cambria Math" panose="02040503050406030204" pitchFamily="18" charset="0"/>
+                          </a:rPr>
+                          <m:t>𝑎</m:t>
+                        </m:r>
+                        <m:r>
+                          <a:rPr lang="en-GB" sz="3200" b="0" i="1" smtClean="0">
+                            <a:latin typeface="Cambria Math" panose="02040503050406030204" pitchFamily="18" charset="0"/>
+                          </a:rPr>
+                          <m:t>+</m:t>
+                        </m:r>
+                        <m:r>
+                          <a:rPr lang="en-GB" sz="3200" b="0" i="1" smtClean="0">
+                            <a:latin typeface="Cambria Math" panose="02040503050406030204" pitchFamily="18" charset="0"/>
+                          </a:rPr>
+                          <m:t>𝑏</m:t>
+                        </m:r>
+                        <m:r>
+                          <a:rPr lang="en-GB" sz="3200" b="0" i="1" smtClean="0">
+                            <a:latin typeface="Cambria Math" panose="02040503050406030204" pitchFamily="18" charset="0"/>
+                          </a:rPr>
+                          <m:t>+</m:t>
+                        </m:r>
+                        <m:r>
+                          <a:rPr lang="en-GB" sz="3200" b="0" i="1" smtClean="0">
+                            <a:latin typeface="Cambria Math" panose="02040503050406030204" pitchFamily="18" charset="0"/>
+                          </a:rPr>
+                          <m:t>𝑐</m:t>
+                        </m:r>
+                      </m:num>
+                      <m:den>
+                        <m:r>
+                          <a:rPr lang="en-GB" sz="3200" b="0" i="1" smtClean="0">
+                            <a:latin typeface="Cambria Math" panose="02040503050406030204" pitchFamily="18" charset="0"/>
+                          </a:rPr>
+                          <m:t>2</m:t>
+                        </m:r>
+                      </m:den>
+                    </m:f>
+                  </m:oMath>
+                </a14:m>
+                <a:endParaRPr lang="en-GB" sz="3200" dirty="0"/>
+              </a:p>
+              <a:p>
+                <a14:m>
+                  <m:oMath xmlns:m="http://schemas.openxmlformats.org/officeDocument/2006/math">
+                    <m:f>
+                      <m:fPr>
+                        <m:ctrlPr>
+                          <a:rPr lang="en-GB" sz="3600" b="0" i="1" smtClean="0">
+                            <a:latin typeface="Cambria Math" panose="02040503050406030204" pitchFamily="18" charset="0"/>
+                          </a:rPr>
+                        </m:ctrlPr>
+                      </m:fPr>
+                      <m:num>
+                        <m:r>
+                          <a:rPr lang="en-GB" sz="3600" b="0" i="1" smtClean="0">
+                            <a:latin typeface="Cambria Math" panose="02040503050406030204" pitchFamily="18" charset="0"/>
+                          </a:rPr>
+                          <m:t>1</m:t>
+                        </m:r>
+                      </m:num>
+                      <m:den>
+                        <m:r>
+                          <a:rPr lang="en-GB" sz="3600" b="0" i="1" smtClean="0">
+                            <a:latin typeface="Cambria Math" panose="02040503050406030204" pitchFamily="18" charset="0"/>
+                          </a:rPr>
+                          <m:t>2</m:t>
+                        </m:r>
+                      </m:den>
+                    </m:f>
+                    <m:r>
+                      <a:rPr lang="en-GB" sz="3600" b="0" i="1" smtClean="0">
+                        <a:latin typeface="Cambria Math" panose="02040503050406030204" pitchFamily="18" charset="0"/>
+                      </a:rPr>
+                      <m:t>𝑎𝑏</m:t>
+                    </m:r>
+                    <m:func>
+                      <m:funcPr>
+                        <m:ctrlPr>
+                          <a:rPr lang="en-GB" sz="3600" b="0" i="1" smtClean="0">
+                            <a:latin typeface="Cambria Math" panose="02040503050406030204" pitchFamily="18" charset="0"/>
+                          </a:rPr>
+                        </m:ctrlPr>
+                      </m:funcPr>
+                      <m:fName>
+                        <m:r>
+                          <m:rPr>
+                            <m:sty m:val="p"/>
+                          </m:rPr>
+                          <a:rPr lang="en-GB" sz="3600" b="0" i="0" smtClean="0">
+                            <a:latin typeface="Cambria Math" panose="02040503050406030204" pitchFamily="18" charset="0"/>
+                          </a:rPr>
+                          <m:t>sin</m:t>
+                        </m:r>
+                      </m:fName>
+                      <m:e>
+                        <m:r>
+                          <a:rPr lang="en-GB" sz="3600" b="0" i="1" smtClean="0">
+                            <a:latin typeface="Cambria Math" panose="02040503050406030204" pitchFamily="18" charset="0"/>
+                          </a:rPr>
+                          <m:t>𝐶</m:t>
+                        </m:r>
+                      </m:e>
+                    </m:func>
+                  </m:oMath>
+                </a14:m>
+                <a:endParaRPr lang="en-GB" sz="3600" dirty="0"/>
+              </a:p>
+            </p:txBody>
+          </p:sp>
+        </mc:Choice>
+        <mc:Fallback>
+          <p:sp>
+            <p:nvSpPr>
+              <p:cNvPr id="5" name="Text Placeholder 2">
+                <a:extLst>
+                  <a:ext uri="{FF2B5EF4-FFF2-40B4-BE49-F238E27FC236}">
+                    <a16:creationId xmlns:a16="http://schemas.microsoft.com/office/drawing/2014/main" id="{6007C9F7-2B4E-493F-8DC0-91515A7406B4}"/>
+                  </a:ext>
+                </a:extLst>
+              </p:cNvPr>
+              <p:cNvSpPr>
+                <a:spLocks noGrp="1" noRot="1" noChangeAspect="1" noMove="1" noResize="1" noEditPoints="1" noAdjustHandles="1" noChangeArrowheads="1" noChangeShapeType="1" noTextEdit="1"/>
+              </p:cNvSpPr>
+              <p:nvPr>
+                <p:ph type="body" idx="1"/>
+              </p:nvPr>
+            </p:nvSpPr>
+            <p:spPr>
+              <a:xfrm>
+                <a:off x="311700" y="1152475"/>
+                <a:ext cx="8520600" cy="3416400"/>
+              </a:xfrm>
+              <a:blipFill>
+                <a:blip r:embed="rId3"/>
+                <a:stretch>
+                  <a:fillRect/>
+                </a:stretch>
+              </a:blipFill>
+            </p:spPr>
+            <p:txBody>
+              <a:bodyPr/>
+              <a:lstStyle/>
+              <a:p>
+                <a:r>
+                  <a:rPr lang="en-GB">
+                    <a:noFill/>
+                  </a:rPr>
+                  <a:t> </a:t>
+                </a:r>
+              </a:p>
+            </p:txBody>
+          </p:sp>
+        </mc:Fallback>
+      </mc:AlternateContent>
     </p:spTree>
   </p:cSld>
   <p:clrMapOvr>
     <a:masterClrMapping/>
   </p:clrMapOvr>
-  <p:timing>
-    <p:tnLst>
-      <p:par>
-        <p:cTn id="1" dur="indefinite" restart="never" nodeType="tmRoot">
-          <p:childTnLst>
-            <p:seq concurrent="1" nextAc="seek">
-              <p:cTn id="2" dur="indefinite" nodeType="mainSeq">
-                <p:childTnLst>
-                  <p:par>
-                    <p:cTn id="3" fill="hold">
-                      <p:stCondLst>
-                        <p:cond delay="indefinite"/>
-                      </p:stCondLst>
-                      <p:childTnLst>
-                        <p:par>
-                          <p:cTn id="4" fill="hold">
-                            <p:stCondLst>
-                              <p:cond delay="0"/>
-                            </p:stCondLst>
-                            <p:childTnLst>
-                              <p:par>
-                                <p:cTn id="5" presetID="1" presetClass="mediacall" presetSubtype="0" fill="hold" nodeType="clickEffect">
-                                  <p:stCondLst>
-                                    <p:cond delay="0"/>
-                                  </p:stCondLst>
-                                  <p:childTnLst>
-                                    <p:cmd type="call" cmd="playFrom(0.0)">
-                                      <p:cBhvr>
-                                        <p:cTn id="6" dur="1" fill="hold"/>
-                                        <p:tgtEl>
-                                          <p:spTgt spid="2"/>
-                                        </p:tgtEl>
-                                      </p:cBhvr>
-                                    </p:cmd>
-                                  </p:childTnLst>
-                                </p:cTn>
-                              </p:par>
-                            </p:childTnLst>
-                          </p:cTn>
-                        </p:par>
-                      </p:childTnLst>
-                    </p:cTn>
-                  </p:par>
-                  <p:par>
-                    <p:cTn id="7" fill="hold">
-                      <p:stCondLst>
-                        <p:cond delay="indefinite"/>
-                      </p:stCondLst>
-                      <p:childTnLst>
-                        <p:par>
-                          <p:cTn id="8" fill="hold">
-                            <p:stCondLst>
-                              <p:cond delay="0"/>
-                            </p:stCondLst>
-                            <p:childTnLst>
-                              <p:par>
-                                <p:cTn id="9" presetID="1" presetClass="mediacall" presetSubtype="0" fill="hold" nodeType="clickEffect">
-                                  <p:stCondLst>
-                                    <p:cond delay="0"/>
-                                  </p:stCondLst>
-                                  <p:childTnLst>
-                                    <p:cmd type="call" cmd="playFrom(0.0)">
-                                      <p:cBhvr>
-                                        <p:cTn id="10" dur="1" fill="hold"/>
-                                        <p:tgtEl>
-                                          <p:spTgt spid="3"/>
-                                        </p:tgtEl>
-                                      </p:cBhvr>
-                                    </p:cmd>
-                                  </p:childTnLst>
-                                </p:cTn>
-                              </p:par>
-                            </p:childTnLst>
-                          </p:cTn>
-                        </p:par>
-                      </p:childTnLst>
-                    </p:cTn>
-                  </p:par>
-                </p:childTnLst>
-              </p:cTn>
-              <p:prevCondLst>
-                <p:cond evt="onPrev" delay="0">
-                  <p:tgtEl>
-                    <p:sldTgt/>
-                  </p:tgtEl>
-                </p:cond>
-              </p:prevCondLst>
-              <p:nextCondLst>
-                <p:cond evt="onNext" delay="0">
-                  <p:tgtEl>
-                    <p:sldTgt/>
-                  </p:tgtEl>
-                </p:cond>
-              </p:nextCondLst>
-            </p:seq>
-            <p:video>
-              <p:cMediaNode vol="80000">
-                <p:cTn id="11" fill="hold" display="0">
-                  <p:stCondLst>
-                    <p:cond delay="indefinite"/>
-                  </p:stCondLst>
-                </p:cTn>
-                <p:tgtEl>
-                  <p:spTgt spid="2"/>
-                </p:tgtEl>
-              </p:cMediaNode>
-            </p:video>
-            <p:seq concurrent="1" nextAc="seek">
-              <p:cTn id="12" restart="whenNotActive" fill="hold" evtFilter="cancelBubble" nodeType="interactiveSeq">
-                <p:stCondLst>
-                  <p:cond evt="onClick" delay="0">
-                    <p:tgtEl>
-                      <p:spTgt spid="2"/>
-                    </p:tgtEl>
-                  </p:cond>
-                </p:stCondLst>
-                <p:endSync evt="end" delay="0">
-                  <p:rtn val="all"/>
-                </p:endSync>
-                <p:childTnLst>
-                  <p:par>
-                    <p:cTn id="13" fill="hold">
-                      <p:stCondLst>
-                        <p:cond delay="0"/>
-                      </p:stCondLst>
-                      <p:childTnLst>
-                        <p:par>
-                          <p:cTn id="14" fill="hold">
-                            <p:stCondLst>
-                              <p:cond delay="0"/>
-                            </p:stCondLst>
-                            <p:childTnLst>
-                              <p:par>
-                                <p:cTn id="15" presetID="2" presetClass="mediacall" presetSubtype="0" fill="hold" nodeType="clickEffect">
-                                  <p:stCondLst>
-                                    <p:cond delay="0"/>
-                                  </p:stCondLst>
-                                  <p:childTnLst>
-                                    <p:cmd type="call" cmd="togglePause">
-                                      <p:cBhvr>
-                                        <p:cTn id="16" dur="1" fill="hold"/>
-                                        <p:tgtEl>
-                                          <p:spTgt spid="2"/>
-                                        </p:tgtEl>
-                                      </p:cBhvr>
-                                    </p:cmd>
-                                  </p:childTnLst>
-                                </p:cTn>
-                              </p:par>
-                            </p:childTnLst>
-                          </p:cTn>
-                        </p:par>
-                      </p:childTnLst>
-                    </p:cTn>
-                  </p:par>
-                </p:childTnLst>
-              </p:cTn>
-              <p:nextCondLst>
-                <p:cond evt="onClick" delay="0">
-                  <p:tgtEl>
-                    <p:spTgt spid="2"/>
-                  </p:tgtEl>
-                </p:cond>
-              </p:nextCondLst>
-            </p:seq>
-            <p:video>
-              <p:cMediaNode vol="80000">
-                <p:cTn id="17" fill="hold" display="0">
-                  <p:stCondLst>
-                    <p:cond delay="indefinite"/>
-                  </p:stCondLst>
-                </p:cTn>
-                <p:tgtEl>
-                  <p:spTgt spid="3"/>
-                </p:tgtEl>
-              </p:cMediaNode>
-            </p:video>
-            <p:seq concurrent="1" nextAc="seek">
-              <p:cTn id="18" restart="whenNotActive" fill="hold" evtFilter="cancelBubble" nodeType="interactiveSeq">
-                <p:stCondLst>
-                  <p:cond evt="onClick" delay="0">
-                    <p:tgtEl>
-                      <p:spTgt spid="3"/>
-                    </p:tgtEl>
-                  </p:cond>
-                </p:stCondLst>
-                <p:endSync evt="end" delay="0">
-                  <p:rtn val="all"/>
-                </p:endSync>
-                <p:childTnLst>
-                  <p:par>
-                    <p:cTn id="19" fill="hold">
-                      <p:stCondLst>
-                        <p:cond delay="0"/>
-                      </p:stCondLst>
-                      <p:childTnLst>
-                        <p:par>
-                          <p:cTn id="20" fill="hold">
-                            <p:stCondLst>
-                              <p:cond delay="0"/>
-                            </p:stCondLst>
-                            <p:childTnLst>
-                              <p:par>
-                                <p:cTn id="21" presetID="2" presetClass="mediacall" presetSubtype="0" fill="hold" nodeType="clickEffect">
-                                  <p:stCondLst>
-                                    <p:cond delay="0"/>
-                                  </p:stCondLst>
-                                  <p:childTnLst>
-                                    <p:cmd type="call" cmd="togglePause">
-                                      <p:cBhvr>
-                                        <p:cTn id="22" dur="1" fill="hold"/>
-                                        <p:tgtEl>
-                                          <p:spTgt spid="3"/>
-                                        </p:tgtEl>
-                                      </p:cBhvr>
-                                    </p:cmd>
-                                  </p:childTnLst>
-                                </p:cTn>
-                              </p:par>
-                            </p:childTnLst>
-                          </p:cTn>
-                        </p:par>
-                      </p:childTnLst>
-                    </p:cTn>
-                  </p:par>
-                </p:childTnLst>
-              </p:cTn>
-              <p:nextCondLst>
-                <p:cond evt="onClick" delay="0">
-                  <p:tgtEl>
-                    <p:spTgt spid="3"/>
-                  </p:tgtEl>
-                </p:cond>
-              </p:nextCondLst>
-            </p:seq>
-          </p:childTnLst>
-        </p:cTn>
-      </p:par>
-    </p:tnLst>
-  </p:timing>
 </p:sld>
 </file>
 
